--- a/ppt 16-9/1430.信心试炼.pptx
+++ b/ppt 16-9/1430.信心试炼.pptx
@@ -129,7 +129,7 @@
           <p:cNvPr id="2" name="标题 1">
             <a:extLst>
               <a:ext uri="{FF2B5EF4-FFF2-40B4-BE49-F238E27FC236}">
-                <a16:creationId xmlns:a16="http://schemas.microsoft.com/office/drawing/2014/main" id="{A77DDA14-9044-B4FD-2FA0-11432C2813EA}"/>
+                <a16:creationId xmlns:a16="http://schemas.microsoft.com/office/drawing/2014/main" id="{9E96920F-F9F0-0182-0BED-ED3434CAF564}"/>
               </a:ext>
             </a:extLst>
           </p:cNvPr>
@@ -166,7 +166,7 @@
           <p:cNvPr id="3" name="副标题 2">
             <a:extLst>
               <a:ext uri="{FF2B5EF4-FFF2-40B4-BE49-F238E27FC236}">
-                <a16:creationId xmlns:a16="http://schemas.microsoft.com/office/drawing/2014/main" id="{BAF30DB0-0843-2EFB-E18A-08C7CE18970F}"/>
+                <a16:creationId xmlns:a16="http://schemas.microsoft.com/office/drawing/2014/main" id="{A55FE310-9C9F-BEB0-781C-AD6B35BF8C5B}"/>
               </a:ext>
             </a:extLst>
           </p:cNvPr>
@@ -236,7 +236,7 @@
           <p:cNvPr id="4" name="日期占位符 3">
             <a:extLst>
               <a:ext uri="{FF2B5EF4-FFF2-40B4-BE49-F238E27FC236}">
-                <a16:creationId xmlns:a16="http://schemas.microsoft.com/office/drawing/2014/main" id="{702E7760-6E6C-1898-A303-E88528F2C218}"/>
+                <a16:creationId xmlns:a16="http://schemas.microsoft.com/office/drawing/2014/main" id="{13C7478B-3DC4-AC15-DA8D-755877A217C4}"/>
               </a:ext>
             </a:extLst>
           </p:cNvPr>
@@ -252,7 +252,7 @@
           <a:bodyPr/>
           <a:lstStyle/>
           <a:p>
-            <a:fld id="{41F69F3D-24A5-45F3-878B-EF42DEB3C1AC}" type="datetimeFigureOut">
+            <a:fld id="{D65D549D-C786-4250-A11D-89346E0C9F2B}" type="datetimeFigureOut">
               <a:rPr lang="zh-CN" altLang="en-US" smtClean="0"/>
               <a:t>2024/3/10</a:t>
             </a:fld>
@@ -265,7 +265,7 @@
           <p:cNvPr id="5" name="页脚占位符 4">
             <a:extLst>
               <a:ext uri="{FF2B5EF4-FFF2-40B4-BE49-F238E27FC236}">
-                <a16:creationId xmlns:a16="http://schemas.microsoft.com/office/drawing/2014/main" id="{DD2FCAAE-434A-44DC-4545-DDBA829FB8E7}"/>
+                <a16:creationId xmlns:a16="http://schemas.microsoft.com/office/drawing/2014/main" id="{EED0AC6E-532D-C103-CF8E-857027AD334A}"/>
               </a:ext>
             </a:extLst>
           </p:cNvPr>
@@ -290,7 +290,7 @@
           <p:cNvPr id="6" name="灯片编号占位符 5">
             <a:extLst>
               <a:ext uri="{FF2B5EF4-FFF2-40B4-BE49-F238E27FC236}">
-                <a16:creationId xmlns:a16="http://schemas.microsoft.com/office/drawing/2014/main" id="{1BA1F57A-C74C-E949-182D-D8E2FAECD1D0}"/>
+                <a16:creationId xmlns:a16="http://schemas.microsoft.com/office/drawing/2014/main" id="{16741CF0-249C-29EB-1457-854A512BC626}"/>
               </a:ext>
             </a:extLst>
           </p:cNvPr>
@@ -306,7 +306,7 @@
           <a:bodyPr/>
           <a:lstStyle/>
           <a:p>
-            <a:fld id="{6299836F-27E3-4B51-9D89-386D6DFE3198}" type="slidenum">
+            <a:fld id="{A00F3BC6-E9CB-47BC-AF89-DBB419AF763B}" type="slidenum">
               <a:rPr lang="zh-CN" altLang="en-US" smtClean="0"/>
               <a:t>‹#›</a:t>
             </a:fld>
@@ -317,7 +317,7 @@
     </p:spTree>
     <p:extLst>
       <p:ext uri="{BB962C8B-B14F-4D97-AF65-F5344CB8AC3E}">
-        <p14:creationId xmlns:p14="http://schemas.microsoft.com/office/powerpoint/2010/main" val="2351156411"/>
+        <p14:creationId xmlns:p14="http://schemas.microsoft.com/office/powerpoint/2010/main" val="1524344931"/>
       </p:ext>
     </p:extLst>
   </p:cSld>
@@ -349,7 +349,7 @@
           <p:cNvPr id="2" name="标题 1">
             <a:extLst>
               <a:ext uri="{FF2B5EF4-FFF2-40B4-BE49-F238E27FC236}">
-                <a16:creationId xmlns:a16="http://schemas.microsoft.com/office/drawing/2014/main" id="{A73F3D34-AF49-3E7C-EF9D-A5FC1A9E85D9}"/>
+                <a16:creationId xmlns:a16="http://schemas.microsoft.com/office/drawing/2014/main" id="{A8F5D2D0-6988-0CD3-85D9-4B46A339F1CD}"/>
               </a:ext>
             </a:extLst>
           </p:cNvPr>
@@ -377,7 +377,7 @@
           <p:cNvPr id="3" name="竖排文字占位符 2">
             <a:extLst>
               <a:ext uri="{FF2B5EF4-FFF2-40B4-BE49-F238E27FC236}">
-                <a16:creationId xmlns:a16="http://schemas.microsoft.com/office/drawing/2014/main" id="{2F3552D5-466B-A679-E611-2364D07E2490}"/>
+                <a16:creationId xmlns:a16="http://schemas.microsoft.com/office/drawing/2014/main" id="{BAC72D95-9CFB-2CD9-E19B-39351278114C}"/>
               </a:ext>
             </a:extLst>
           </p:cNvPr>
@@ -434,7 +434,7 @@
           <p:cNvPr id="4" name="日期占位符 3">
             <a:extLst>
               <a:ext uri="{FF2B5EF4-FFF2-40B4-BE49-F238E27FC236}">
-                <a16:creationId xmlns:a16="http://schemas.microsoft.com/office/drawing/2014/main" id="{B74BE899-EBC7-6544-951B-910864C5AF66}"/>
+                <a16:creationId xmlns:a16="http://schemas.microsoft.com/office/drawing/2014/main" id="{0DD2901C-10B8-BA87-3BD1-D6338A269508}"/>
               </a:ext>
             </a:extLst>
           </p:cNvPr>
@@ -450,7 +450,7 @@
           <a:bodyPr/>
           <a:lstStyle/>
           <a:p>
-            <a:fld id="{41F69F3D-24A5-45F3-878B-EF42DEB3C1AC}" type="datetimeFigureOut">
+            <a:fld id="{D65D549D-C786-4250-A11D-89346E0C9F2B}" type="datetimeFigureOut">
               <a:rPr lang="zh-CN" altLang="en-US" smtClean="0"/>
               <a:t>2024/3/10</a:t>
             </a:fld>
@@ -463,7 +463,7 @@
           <p:cNvPr id="5" name="页脚占位符 4">
             <a:extLst>
               <a:ext uri="{FF2B5EF4-FFF2-40B4-BE49-F238E27FC236}">
-                <a16:creationId xmlns:a16="http://schemas.microsoft.com/office/drawing/2014/main" id="{AE292900-FD2A-39B4-9F33-F80BE4B4AB53}"/>
+                <a16:creationId xmlns:a16="http://schemas.microsoft.com/office/drawing/2014/main" id="{34F53B54-8C14-9814-6093-3931C015CB0C}"/>
               </a:ext>
             </a:extLst>
           </p:cNvPr>
@@ -488,7 +488,7 @@
           <p:cNvPr id="6" name="灯片编号占位符 5">
             <a:extLst>
               <a:ext uri="{FF2B5EF4-FFF2-40B4-BE49-F238E27FC236}">
-                <a16:creationId xmlns:a16="http://schemas.microsoft.com/office/drawing/2014/main" id="{E69DAEC6-43BA-EC8D-55EB-83A0014320BB}"/>
+                <a16:creationId xmlns:a16="http://schemas.microsoft.com/office/drawing/2014/main" id="{48FD3FC8-1BF0-C688-09D0-621C6A2AFDC2}"/>
               </a:ext>
             </a:extLst>
           </p:cNvPr>
@@ -504,7 +504,7 @@
           <a:bodyPr/>
           <a:lstStyle/>
           <a:p>
-            <a:fld id="{6299836F-27E3-4B51-9D89-386D6DFE3198}" type="slidenum">
+            <a:fld id="{A00F3BC6-E9CB-47BC-AF89-DBB419AF763B}" type="slidenum">
               <a:rPr lang="zh-CN" altLang="en-US" smtClean="0"/>
               <a:t>‹#›</a:t>
             </a:fld>
@@ -515,7 +515,7 @@
     </p:spTree>
     <p:extLst>
       <p:ext uri="{BB962C8B-B14F-4D97-AF65-F5344CB8AC3E}">
-        <p14:creationId xmlns:p14="http://schemas.microsoft.com/office/powerpoint/2010/main" val="2614700483"/>
+        <p14:creationId xmlns:p14="http://schemas.microsoft.com/office/powerpoint/2010/main" val="3039508431"/>
       </p:ext>
     </p:extLst>
   </p:cSld>
@@ -547,7 +547,7 @@
           <p:cNvPr id="2" name="竖排标题 1">
             <a:extLst>
               <a:ext uri="{FF2B5EF4-FFF2-40B4-BE49-F238E27FC236}">
-                <a16:creationId xmlns:a16="http://schemas.microsoft.com/office/drawing/2014/main" id="{E5D48A0A-F8F5-EF3C-6E34-E171559B53F6}"/>
+                <a16:creationId xmlns:a16="http://schemas.microsoft.com/office/drawing/2014/main" id="{BBE4E2A5-EAAC-2602-3530-DA9B85D493D1}"/>
               </a:ext>
             </a:extLst>
           </p:cNvPr>
@@ -580,7 +580,7 @@
           <p:cNvPr id="3" name="竖排文字占位符 2">
             <a:extLst>
               <a:ext uri="{FF2B5EF4-FFF2-40B4-BE49-F238E27FC236}">
-                <a16:creationId xmlns:a16="http://schemas.microsoft.com/office/drawing/2014/main" id="{9E24A034-27AD-60A8-9B15-4C4BEEBBF195}"/>
+                <a16:creationId xmlns:a16="http://schemas.microsoft.com/office/drawing/2014/main" id="{B6563E18-9D94-A36F-64F6-404F60C057A4}"/>
               </a:ext>
             </a:extLst>
           </p:cNvPr>
@@ -642,7 +642,7 @@
           <p:cNvPr id="4" name="日期占位符 3">
             <a:extLst>
               <a:ext uri="{FF2B5EF4-FFF2-40B4-BE49-F238E27FC236}">
-                <a16:creationId xmlns:a16="http://schemas.microsoft.com/office/drawing/2014/main" id="{8957B1BE-BB5D-87C8-3C09-D4EBE6DF9564}"/>
+                <a16:creationId xmlns:a16="http://schemas.microsoft.com/office/drawing/2014/main" id="{89499017-C768-269B-B5E7-AE85AC2BB772}"/>
               </a:ext>
             </a:extLst>
           </p:cNvPr>
@@ -658,7 +658,7 @@
           <a:bodyPr/>
           <a:lstStyle/>
           <a:p>
-            <a:fld id="{41F69F3D-24A5-45F3-878B-EF42DEB3C1AC}" type="datetimeFigureOut">
+            <a:fld id="{D65D549D-C786-4250-A11D-89346E0C9F2B}" type="datetimeFigureOut">
               <a:rPr lang="zh-CN" altLang="en-US" smtClean="0"/>
               <a:t>2024/3/10</a:t>
             </a:fld>
@@ -671,7 +671,7 @@
           <p:cNvPr id="5" name="页脚占位符 4">
             <a:extLst>
               <a:ext uri="{FF2B5EF4-FFF2-40B4-BE49-F238E27FC236}">
-                <a16:creationId xmlns:a16="http://schemas.microsoft.com/office/drawing/2014/main" id="{9C53343E-ABB6-04DC-CC85-9BE10D7ECB05}"/>
+                <a16:creationId xmlns:a16="http://schemas.microsoft.com/office/drawing/2014/main" id="{C2C60C25-8E7C-AD98-9043-1098C9FE65D5}"/>
               </a:ext>
             </a:extLst>
           </p:cNvPr>
@@ -696,7 +696,7 @@
           <p:cNvPr id="6" name="灯片编号占位符 5">
             <a:extLst>
               <a:ext uri="{FF2B5EF4-FFF2-40B4-BE49-F238E27FC236}">
-                <a16:creationId xmlns:a16="http://schemas.microsoft.com/office/drawing/2014/main" id="{27CEED05-85CF-9EB9-2BF4-98A855835F4E}"/>
+                <a16:creationId xmlns:a16="http://schemas.microsoft.com/office/drawing/2014/main" id="{534EEE0A-9ABD-6294-7B4F-B8FE9C4DF2B8}"/>
               </a:ext>
             </a:extLst>
           </p:cNvPr>
@@ -712,7 +712,7 @@
           <a:bodyPr/>
           <a:lstStyle/>
           <a:p>
-            <a:fld id="{6299836F-27E3-4B51-9D89-386D6DFE3198}" type="slidenum">
+            <a:fld id="{A00F3BC6-E9CB-47BC-AF89-DBB419AF763B}" type="slidenum">
               <a:rPr lang="zh-CN" altLang="en-US" smtClean="0"/>
               <a:t>‹#›</a:t>
             </a:fld>
@@ -723,7 +723,7 @@
     </p:spTree>
     <p:extLst>
       <p:ext uri="{BB962C8B-B14F-4D97-AF65-F5344CB8AC3E}">
-        <p14:creationId xmlns:p14="http://schemas.microsoft.com/office/powerpoint/2010/main" val="381605139"/>
+        <p14:creationId xmlns:p14="http://schemas.microsoft.com/office/powerpoint/2010/main" val="3545354954"/>
       </p:ext>
     </p:extLst>
   </p:cSld>
@@ -755,7 +755,7 @@
           <p:cNvPr id="2" name="标题 1">
             <a:extLst>
               <a:ext uri="{FF2B5EF4-FFF2-40B4-BE49-F238E27FC236}">
-                <a16:creationId xmlns:a16="http://schemas.microsoft.com/office/drawing/2014/main" id="{A4154EF3-5FFE-785E-324F-AC48B8FCF2DC}"/>
+                <a16:creationId xmlns:a16="http://schemas.microsoft.com/office/drawing/2014/main" id="{4027090D-BFB4-D4E6-01C5-8F6BB41CDB03}"/>
               </a:ext>
             </a:extLst>
           </p:cNvPr>
@@ -783,7 +783,7 @@
           <p:cNvPr id="3" name="内容占位符 2">
             <a:extLst>
               <a:ext uri="{FF2B5EF4-FFF2-40B4-BE49-F238E27FC236}">
-                <a16:creationId xmlns:a16="http://schemas.microsoft.com/office/drawing/2014/main" id="{AFB14977-055F-CCCC-9076-339EB23B4D1B}"/>
+                <a16:creationId xmlns:a16="http://schemas.microsoft.com/office/drawing/2014/main" id="{BAD2ABC5-0EA2-5E52-7F0F-3AD368DBFD29}"/>
               </a:ext>
             </a:extLst>
           </p:cNvPr>
@@ -840,7 +840,7 @@
           <p:cNvPr id="4" name="日期占位符 3">
             <a:extLst>
               <a:ext uri="{FF2B5EF4-FFF2-40B4-BE49-F238E27FC236}">
-                <a16:creationId xmlns:a16="http://schemas.microsoft.com/office/drawing/2014/main" id="{34837A0D-C22C-DA97-2BE6-E0603EA77EF9}"/>
+                <a16:creationId xmlns:a16="http://schemas.microsoft.com/office/drawing/2014/main" id="{9BDFBA93-DA1A-4804-3381-6FB7753CA6A3}"/>
               </a:ext>
             </a:extLst>
           </p:cNvPr>
@@ -856,7 +856,7 @@
           <a:bodyPr/>
           <a:lstStyle/>
           <a:p>
-            <a:fld id="{41F69F3D-24A5-45F3-878B-EF42DEB3C1AC}" type="datetimeFigureOut">
+            <a:fld id="{D65D549D-C786-4250-A11D-89346E0C9F2B}" type="datetimeFigureOut">
               <a:rPr lang="zh-CN" altLang="en-US" smtClean="0"/>
               <a:t>2024/3/10</a:t>
             </a:fld>
@@ -869,7 +869,7 @@
           <p:cNvPr id="5" name="页脚占位符 4">
             <a:extLst>
               <a:ext uri="{FF2B5EF4-FFF2-40B4-BE49-F238E27FC236}">
-                <a16:creationId xmlns:a16="http://schemas.microsoft.com/office/drawing/2014/main" id="{A8D0E13E-834B-BEDA-EB47-6990803FEA09}"/>
+                <a16:creationId xmlns:a16="http://schemas.microsoft.com/office/drawing/2014/main" id="{14D94459-9574-D6C3-3909-952436D6F533}"/>
               </a:ext>
             </a:extLst>
           </p:cNvPr>
@@ -894,7 +894,7 @@
           <p:cNvPr id="6" name="灯片编号占位符 5">
             <a:extLst>
               <a:ext uri="{FF2B5EF4-FFF2-40B4-BE49-F238E27FC236}">
-                <a16:creationId xmlns:a16="http://schemas.microsoft.com/office/drawing/2014/main" id="{EDF4ADF2-2C93-F3E1-9B46-E50CCBA97686}"/>
+                <a16:creationId xmlns:a16="http://schemas.microsoft.com/office/drawing/2014/main" id="{35D2F3F0-0CB7-EEA8-AB28-D10725060363}"/>
               </a:ext>
             </a:extLst>
           </p:cNvPr>
@@ -910,7 +910,7 @@
           <a:bodyPr/>
           <a:lstStyle/>
           <a:p>
-            <a:fld id="{6299836F-27E3-4B51-9D89-386D6DFE3198}" type="slidenum">
+            <a:fld id="{A00F3BC6-E9CB-47BC-AF89-DBB419AF763B}" type="slidenum">
               <a:rPr lang="zh-CN" altLang="en-US" smtClean="0"/>
               <a:t>‹#›</a:t>
             </a:fld>
@@ -921,7 +921,7 @@
     </p:spTree>
     <p:extLst>
       <p:ext uri="{BB962C8B-B14F-4D97-AF65-F5344CB8AC3E}">
-        <p14:creationId xmlns:p14="http://schemas.microsoft.com/office/powerpoint/2010/main" val="1740355821"/>
+        <p14:creationId xmlns:p14="http://schemas.microsoft.com/office/powerpoint/2010/main" val="168916525"/>
       </p:ext>
     </p:extLst>
   </p:cSld>
@@ -953,7 +953,7 @@
           <p:cNvPr id="2" name="标题 1">
             <a:extLst>
               <a:ext uri="{FF2B5EF4-FFF2-40B4-BE49-F238E27FC236}">
-                <a16:creationId xmlns:a16="http://schemas.microsoft.com/office/drawing/2014/main" id="{A947D989-B191-710F-E81E-DACD0B82FEB2}"/>
+                <a16:creationId xmlns:a16="http://schemas.microsoft.com/office/drawing/2014/main" id="{20C5A36F-E3E6-927F-21DF-D85895092EB1}"/>
               </a:ext>
             </a:extLst>
           </p:cNvPr>
@@ -990,7 +990,7 @@
           <p:cNvPr id="3" name="文本占位符 2">
             <a:extLst>
               <a:ext uri="{FF2B5EF4-FFF2-40B4-BE49-F238E27FC236}">
-                <a16:creationId xmlns:a16="http://schemas.microsoft.com/office/drawing/2014/main" id="{AE4684F0-DC8F-2E50-3653-2E1C2C88C97E}"/>
+                <a16:creationId xmlns:a16="http://schemas.microsoft.com/office/drawing/2014/main" id="{2B6728AA-E445-E396-76A4-107DBFC0E1E4}"/>
               </a:ext>
             </a:extLst>
           </p:cNvPr>
@@ -1115,7 +1115,7 @@
           <p:cNvPr id="4" name="日期占位符 3">
             <a:extLst>
               <a:ext uri="{FF2B5EF4-FFF2-40B4-BE49-F238E27FC236}">
-                <a16:creationId xmlns:a16="http://schemas.microsoft.com/office/drawing/2014/main" id="{AC9DCC0E-30C5-7F85-F074-FC82E36638F3}"/>
+                <a16:creationId xmlns:a16="http://schemas.microsoft.com/office/drawing/2014/main" id="{DC85E14C-B37B-9DEB-4237-A5D5B458AEC8}"/>
               </a:ext>
             </a:extLst>
           </p:cNvPr>
@@ -1131,7 +1131,7 @@
           <a:bodyPr/>
           <a:lstStyle/>
           <a:p>
-            <a:fld id="{41F69F3D-24A5-45F3-878B-EF42DEB3C1AC}" type="datetimeFigureOut">
+            <a:fld id="{D65D549D-C786-4250-A11D-89346E0C9F2B}" type="datetimeFigureOut">
               <a:rPr lang="zh-CN" altLang="en-US" smtClean="0"/>
               <a:t>2024/3/10</a:t>
             </a:fld>
@@ -1144,7 +1144,7 @@
           <p:cNvPr id="5" name="页脚占位符 4">
             <a:extLst>
               <a:ext uri="{FF2B5EF4-FFF2-40B4-BE49-F238E27FC236}">
-                <a16:creationId xmlns:a16="http://schemas.microsoft.com/office/drawing/2014/main" id="{F67F6547-D6E7-D3D9-099E-A642E5BDD7D8}"/>
+                <a16:creationId xmlns:a16="http://schemas.microsoft.com/office/drawing/2014/main" id="{8D8AA168-B5DE-1DF7-4641-01632BC18C3B}"/>
               </a:ext>
             </a:extLst>
           </p:cNvPr>
@@ -1169,7 +1169,7 @@
           <p:cNvPr id="6" name="灯片编号占位符 5">
             <a:extLst>
               <a:ext uri="{FF2B5EF4-FFF2-40B4-BE49-F238E27FC236}">
-                <a16:creationId xmlns:a16="http://schemas.microsoft.com/office/drawing/2014/main" id="{87AB687E-0256-675B-956A-C67227ECA82C}"/>
+                <a16:creationId xmlns:a16="http://schemas.microsoft.com/office/drawing/2014/main" id="{BDE46D00-22A0-6AEB-C154-8B85C8FB9580}"/>
               </a:ext>
             </a:extLst>
           </p:cNvPr>
@@ -1185,7 +1185,7 @@
           <a:bodyPr/>
           <a:lstStyle/>
           <a:p>
-            <a:fld id="{6299836F-27E3-4B51-9D89-386D6DFE3198}" type="slidenum">
+            <a:fld id="{A00F3BC6-E9CB-47BC-AF89-DBB419AF763B}" type="slidenum">
               <a:rPr lang="zh-CN" altLang="en-US" smtClean="0"/>
               <a:t>‹#›</a:t>
             </a:fld>
@@ -1196,7 +1196,7 @@
     </p:spTree>
     <p:extLst>
       <p:ext uri="{BB962C8B-B14F-4D97-AF65-F5344CB8AC3E}">
-        <p14:creationId xmlns:p14="http://schemas.microsoft.com/office/powerpoint/2010/main" val="2985665323"/>
+        <p14:creationId xmlns:p14="http://schemas.microsoft.com/office/powerpoint/2010/main" val="2348507734"/>
       </p:ext>
     </p:extLst>
   </p:cSld>
@@ -1228,7 +1228,7 @@
           <p:cNvPr id="2" name="标题 1">
             <a:extLst>
               <a:ext uri="{FF2B5EF4-FFF2-40B4-BE49-F238E27FC236}">
-                <a16:creationId xmlns:a16="http://schemas.microsoft.com/office/drawing/2014/main" id="{0E5196F6-26CA-1CB1-7F27-DA61F0828F84}"/>
+                <a16:creationId xmlns:a16="http://schemas.microsoft.com/office/drawing/2014/main" id="{AAD3C62B-2C53-C442-3892-B4328ED4CC1A}"/>
               </a:ext>
             </a:extLst>
           </p:cNvPr>
@@ -1256,7 +1256,7 @@
           <p:cNvPr id="3" name="内容占位符 2">
             <a:extLst>
               <a:ext uri="{FF2B5EF4-FFF2-40B4-BE49-F238E27FC236}">
-                <a16:creationId xmlns:a16="http://schemas.microsoft.com/office/drawing/2014/main" id="{66CDF8F2-1ED2-8DD6-A123-3D9D1F710D3F}"/>
+                <a16:creationId xmlns:a16="http://schemas.microsoft.com/office/drawing/2014/main" id="{944C6B3F-4F4A-BFEE-3D9D-F9E6395EEA8D}"/>
               </a:ext>
             </a:extLst>
           </p:cNvPr>
@@ -1318,7 +1318,7 @@
           <p:cNvPr id="4" name="内容占位符 3">
             <a:extLst>
               <a:ext uri="{FF2B5EF4-FFF2-40B4-BE49-F238E27FC236}">
-                <a16:creationId xmlns:a16="http://schemas.microsoft.com/office/drawing/2014/main" id="{CB47F081-179D-1DDF-3AC2-21F4E38B5FBE}"/>
+                <a16:creationId xmlns:a16="http://schemas.microsoft.com/office/drawing/2014/main" id="{FC4A5B3C-CD66-CA2B-527A-2E9355003635}"/>
               </a:ext>
             </a:extLst>
           </p:cNvPr>
@@ -1380,7 +1380,7 @@
           <p:cNvPr id="5" name="日期占位符 4">
             <a:extLst>
               <a:ext uri="{FF2B5EF4-FFF2-40B4-BE49-F238E27FC236}">
-                <a16:creationId xmlns:a16="http://schemas.microsoft.com/office/drawing/2014/main" id="{30A6E76F-6878-7373-8FD2-EA88CF52EC30}"/>
+                <a16:creationId xmlns:a16="http://schemas.microsoft.com/office/drawing/2014/main" id="{E93F9B6E-4C2F-3BAE-39C2-45A282999D56}"/>
               </a:ext>
             </a:extLst>
           </p:cNvPr>
@@ -1396,7 +1396,7 @@
           <a:bodyPr/>
           <a:lstStyle/>
           <a:p>
-            <a:fld id="{41F69F3D-24A5-45F3-878B-EF42DEB3C1AC}" type="datetimeFigureOut">
+            <a:fld id="{D65D549D-C786-4250-A11D-89346E0C9F2B}" type="datetimeFigureOut">
               <a:rPr lang="zh-CN" altLang="en-US" smtClean="0"/>
               <a:t>2024/3/10</a:t>
             </a:fld>
@@ -1409,7 +1409,7 @@
           <p:cNvPr id="6" name="页脚占位符 5">
             <a:extLst>
               <a:ext uri="{FF2B5EF4-FFF2-40B4-BE49-F238E27FC236}">
-                <a16:creationId xmlns:a16="http://schemas.microsoft.com/office/drawing/2014/main" id="{5E4803C0-E2F6-07D3-2B52-E0B30ED363B2}"/>
+                <a16:creationId xmlns:a16="http://schemas.microsoft.com/office/drawing/2014/main" id="{51C0B481-0D3E-07E7-809A-E74F098CAE48}"/>
               </a:ext>
             </a:extLst>
           </p:cNvPr>
@@ -1434,7 +1434,7 @@
           <p:cNvPr id="7" name="灯片编号占位符 6">
             <a:extLst>
               <a:ext uri="{FF2B5EF4-FFF2-40B4-BE49-F238E27FC236}">
-                <a16:creationId xmlns:a16="http://schemas.microsoft.com/office/drawing/2014/main" id="{72952A26-DE4F-B2DA-84EF-72427B6B74B7}"/>
+                <a16:creationId xmlns:a16="http://schemas.microsoft.com/office/drawing/2014/main" id="{ED89CD32-6006-A214-EEEC-85D0EB1C1DF5}"/>
               </a:ext>
             </a:extLst>
           </p:cNvPr>
@@ -1450,7 +1450,7 @@
           <a:bodyPr/>
           <a:lstStyle/>
           <a:p>
-            <a:fld id="{6299836F-27E3-4B51-9D89-386D6DFE3198}" type="slidenum">
+            <a:fld id="{A00F3BC6-E9CB-47BC-AF89-DBB419AF763B}" type="slidenum">
               <a:rPr lang="zh-CN" altLang="en-US" smtClean="0"/>
               <a:t>‹#›</a:t>
             </a:fld>
@@ -1461,7 +1461,7 @@
     </p:spTree>
     <p:extLst>
       <p:ext uri="{BB962C8B-B14F-4D97-AF65-F5344CB8AC3E}">
-        <p14:creationId xmlns:p14="http://schemas.microsoft.com/office/powerpoint/2010/main" val="2574943970"/>
+        <p14:creationId xmlns:p14="http://schemas.microsoft.com/office/powerpoint/2010/main" val="1995842068"/>
       </p:ext>
     </p:extLst>
   </p:cSld>
@@ -1493,7 +1493,7 @@
           <p:cNvPr id="2" name="标题 1">
             <a:extLst>
               <a:ext uri="{FF2B5EF4-FFF2-40B4-BE49-F238E27FC236}">
-                <a16:creationId xmlns:a16="http://schemas.microsoft.com/office/drawing/2014/main" id="{ABE63A80-71DF-8EFD-FE0C-E24298DCC4AD}"/>
+                <a16:creationId xmlns:a16="http://schemas.microsoft.com/office/drawing/2014/main" id="{F38B9D78-8CEE-EF45-4CC6-B909D1E2040A}"/>
               </a:ext>
             </a:extLst>
           </p:cNvPr>
@@ -1526,7 +1526,7 @@
           <p:cNvPr id="3" name="文本占位符 2">
             <a:extLst>
               <a:ext uri="{FF2B5EF4-FFF2-40B4-BE49-F238E27FC236}">
-                <a16:creationId xmlns:a16="http://schemas.microsoft.com/office/drawing/2014/main" id="{C4C81879-A759-0F09-70E9-39D4CA84ECA8}"/>
+                <a16:creationId xmlns:a16="http://schemas.microsoft.com/office/drawing/2014/main" id="{499EB41B-969A-388E-6859-5FD5A8F5A6B6}"/>
               </a:ext>
             </a:extLst>
           </p:cNvPr>
@@ -1597,7 +1597,7 @@
           <p:cNvPr id="4" name="内容占位符 3">
             <a:extLst>
               <a:ext uri="{FF2B5EF4-FFF2-40B4-BE49-F238E27FC236}">
-                <a16:creationId xmlns:a16="http://schemas.microsoft.com/office/drawing/2014/main" id="{B5D244C3-4D60-E782-4C17-E83FB85BBA61}"/>
+                <a16:creationId xmlns:a16="http://schemas.microsoft.com/office/drawing/2014/main" id="{53947AC4-399D-279E-9BBE-81D79ED7F2B5}"/>
               </a:ext>
             </a:extLst>
           </p:cNvPr>
@@ -1659,7 +1659,7 @@
           <p:cNvPr id="5" name="文本占位符 4">
             <a:extLst>
               <a:ext uri="{FF2B5EF4-FFF2-40B4-BE49-F238E27FC236}">
-                <a16:creationId xmlns:a16="http://schemas.microsoft.com/office/drawing/2014/main" id="{B438A65A-B0DA-6225-BCBA-04C6AB0BB809}"/>
+                <a16:creationId xmlns:a16="http://schemas.microsoft.com/office/drawing/2014/main" id="{965A7C36-BECB-7EC3-0682-98A32466DBCD}"/>
               </a:ext>
             </a:extLst>
           </p:cNvPr>
@@ -1730,7 +1730,7 @@
           <p:cNvPr id="6" name="内容占位符 5">
             <a:extLst>
               <a:ext uri="{FF2B5EF4-FFF2-40B4-BE49-F238E27FC236}">
-                <a16:creationId xmlns:a16="http://schemas.microsoft.com/office/drawing/2014/main" id="{8877DA62-E465-A5B5-3B23-98457771F029}"/>
+                <a16:creationId xmlns:a16="http://schemas.microsoft.com/office/drawing/2014/main" id="{9E363AAF-F091-5FF0-C8EA-9918215D8D73}"/>
               </a:ext>
             </a:extLst>
           </p:cNvPr>
@@ -1792,7 +1792,7 @@
           <p:cNvPr id="7" name="日期占位符 6">
             <a:extLst>
               <a:ext uri="{FF2B5EF4-FFF2-40B4-BE49-F238E27FC236}">
-                <a16:creationId xmlns:a16="http://schemas.microsoft.com/office/drawing/2014/main" id="{7081108B-3B28-B22F-6D1F-F04D90BD9825}"/>
+                <a16:creationId xmlns:a16="http://schemas.microsoft.com/office/drawing/2014/main" id="{82C2CEBF-A489-8AEA-6F3C-704ED90CDFEF}"/>
               </a:ext>
             </a:extLst>
           </p:cNvPr>
@@ -1808,7 +1808,7 @@
           <a:bodyPr/>
           <a:lstStyle/>
           <a:p>
-            <a:fld id="{41F69F3D-24A5-45F3-878B-EF42DEB3C1AC}" type="datetimeFigureOut">
+            <a:fld id="{D65D549D-C786-4250-A11D-89346E0C9F2B}" type="datetimeFigureOut">
               <a:rPr lang="zh-CN" altLang="en-US" smtClean="0"/>
               <a:t>2024/3/10</a:t>
             </a:fld>
@@ -1821,7 +1821,7 @@
           <p:cNvPr id="8" name="页脚占位符 7">
             <a:extLst>
               <a:ext uri="{FF2B5EF4-FFF2-40B4-BE49-F238E27FC236}">
-                <a16:creationId xmlns:a16="http://schemas.microsoft.com/office/drawing/2014/main" id="{50CF525C-24E1-8CC5-D29B-7A2D71B332F8}"/>
+                <a16:creationId xmlns:a16="http://schemas.microsoft.com/office/drawing/2014/main" id="{0B9F08A5-7A29-DA9F-DF79-C6A16B4617C4}"/>
               </a:ext>
             </a:extLst>
           </p:cNvPr>
@@ -1846,7 +1846,7 @@
           <p:cNvPr id="9" name="灯片编号占位符 8">
             <a:extLst>
               <a:ext uri="{FF2B5EF4-FFF2-40B4-BE49-F238E27FC236}">
-                <a16:creationId xmlns:a16="http://schemas.microsoft.com/office/drawing/2014/main" id="{50233163-FD50-B641-AF27-4F0DC9E795E5}"/>
+                <a16:creationId xmlns:a16="http://schemas.microsoft.com/office/drawing/2014/main" id="{4A967BD8-C4E4-01F9-A0BB-88EEEB89D4FC}"/>
               </a:ext>
             </a:extLst>
           </p:cNvPr>
@@ -1862,7 +1862,7 @@
           <a:bodyPr/>
           <a:lstStyle/>
           <a:p>
-            <a:fld id="{6299836F-27E3-4B51-9D89-386D6DFE3198}" type="slidenum">
+            <a:fld id="{A00F3BC6-E9CB-47BC-AF89-DBB419AF763B}" type="slidenum">
               <a:rPr lang="zh-CN" altLang="en-US" smtClean="0"/>
               <a:t>‹#›</a:t>
             </a:fld>
@@ -1873,7 +1873,7 @@
     </p:spTree>
     <p:extLst>
       <p:ext uri="{BB962C8B-B14F-4D97-AF65-F5344CB8AC3E}">
-        <p14:creationId xmlns:p14="http://schemas.microsoft.com/office/powerpoint/2010/main" val="1705515549"/>
+        <p14:creationId xmlns:p14="http://schemas.microsoft.com/office/powerpoint/2010/main" val="1291282553"/>
       </p:ext>
     </p:extLst>
   </p:cSld>
@@ -1905,7 +1905,7 @@
           <p:cNvPr id="2" name="标题 1">
             <a:extLst>
               <a:ext uri="{FF2B5EF4-FFF2-40B4-BE49-F238E27FC236}">
-                <a16:creationId xmlns:a16="http://schemas.microsoft.com/office/drawing/2014/main" id="{48A0928D-5F7B-745D-F605-6495D9F146A3}"/>
+                <a16:creationId xmlns:a16="http://schemas.microsoft.com/office/drawing/2014/main" id="{F36E5673-3581-639C-6A6B-0FA9B4171D40}"/>
               </a:ext>
             </a:extLst>
           </p:cNvPr>
@@ -1933,7 +1933,7 @@
           <p:cNvPr id="3" name="日期占位符 2">
             <a:extLst>
               <a:ext uri="{FF2B5EF4-FFF2-40B4-BE49-F238E27FC236}">
-                <a16:creationId xmlns:a16="http://schemas.microsoft.com/office/drawing/2014/main" id="{A8940B48-8909-1AA8-B681-E86D7F90FF0B}"/>
+                <a16:creationId xmlns:a16="http://schemas.microsoft.com/office/drawing/2014/main" id="{5107A1AE-4DD4-2E97-894B-D0D8EE0CAF04}"/>
               </a:ext>
             </a:extLst>
           </p:cNvPr>
@@ -1949,7 +1949,7 @@
           <a:bodyPr/>
           <a:lstStyle/>
           <a:p>
-            <a:fld id="{41F69F3D-24A5-45F3-878B-EF42DEB3C1AC}" type="datetimeFigureOut">
+            <a:fld id="{D65D549D-C786-4250-A11D-89346E0C9F2B}" type="datetimeFigureOut">
               <a:rPr lang="zh-CN" altLang="en-US" smtClean="0"/>
               <a:t>2024/3/10</a:t>
             </a:fld>
@@ -1962,7 +1962,7 @@
           <p:cNvPr id="4" name="页脚占位符 3">
             <a:extLst>
               <a:ext uri="{FF2B5EF4-FFF2-40B4-BE49-F238E27FC236}">
-                <a16:creationId xmlns:a16="http://schemas.microsoft.com/office/drawing/2014/main" id="{B00DCC19-6C53-1DF8-CE55-2F015994BF6E}"/>
+                <a16:creationId xmlns:a16="http://schemas.microsoft.com/office/drawing/2014/main" id="{5A81BB0B-6D1E-1A92-A1EC-8412028C1D4F}"/>
               </a:ext>
             </a:extLst>
           </p:cNvPr>
@@ -1987,7 +1987,7 @@
           <p:cNvPr id="5" name="灯片编号占位符 4">
             <a:extLst>
               <a:ext uri="{FF2B5EF4-FFF2-40B4-BE49-F238E27FC236}">
-                <a16:creationId xmlns:a16="http://schemas.microsoft.com/office/drawing/2014/main" id="{978188E8-3943-427B-7A79-836F96EC8E9F}"/>
+                <a16:creationId xmlns:a16="http://schemas.microsoft.com/office/drawing/2014/main" id="{FE5E1E5F-3363-C1D8-9318-D7518979E1CB}"/>
               </a:ext>
             </a:extLst>
           </p:cNvPr>
@@ -2003,7 +2003,7 @@
           <a:bodyPr/>
           <a:lstStyle/>
           <a:p>
-            <a:fld id="{6299836F-27E3-4B51-9D89-386D6DFE3198}" type="slidenum">
+            <a:fld id="{A00F3BC6-E9CB-47BC-AF89-DBB419AF763B}" type="slidenum">
               <a:rPr lang="zh-CN" altLang="en-US" smtClean="0"/>
               <a:t>‹#›</a:t>
             </a:fld>
@@ -2014,7 +2014,7 @@
     </p:spTree>
     <p:extLst>
       <p:ext uri="{BB962C8B-B14F-4D97-AF65-F5344CB8AC3E}">
-        <p14:creationId xmlns:p14="http://schemas.microsoft.com/office/powerpoint/2010/main" val="3230181902"/>
+        <p14:creationId xmlns:p14="http://schemas.microsoft.com/office/powerpoint/2010/main" val="852383130"/>
       </p:ext>
     </p:extLst>
   </p:cSld>
@@ -2046,7 +2046,7 @@
           <p:cNvPr id="2" name="日期占位符 1">
             <a:extLst>
               <a:ext uri="{FF2B5EF4-FFF2-40B4-BE49-F238E27FC236}">
-                <a16:creationId xmlns:a16="http://schemas.microsoft.com/office/drawing/2014/main" id="{E20A5E30-C1B1-7825-0000-8D5D758875FE}"/>
+                <a16:creationId xmlns:a16="http://schemas.microsoft.com/office/drawing/2014/main" id="{AF29A42C-BC18-F368-1372-237A3DBB5668}"/>
               </a:ext>
             </a:extLst>
           </p:cNvPr>
@@ -2062,7 +2062,7 @@
           <a:bodyPr/>
           <a:lstStyle/>
           <a:p>
-            <a:fld id="{41F69F3D-24A5-45F3-878B-EF42DEB3C1AC}" type="datetimeFigureOut">
+            <a:fld id="{D65D549D-C786-4250-A11D-89346E0C9F2B}" type="datetimeFigureOut">
               <a:rPr lang="zh-CN" altLang="en-US" smtClean="0"/>
               <a:t>2024/3/10</a:t>
             </a:fld>
@@ -2075,7 +2075,7 @@
           <p:cNvPr id="3" name="页脚占位符 2">
             <a:extLst>
               <a:ext uri="{FF2B5EF4-FFF2-40B4-BE49-F238E27FC236}">
-                <a16:creationId xmlns:a16="http://schemas.microsoft.com/office/drawing/2014/main" id="{ADDA0980-CD10-F415-59E0-729C06E5CF96}"/>
+                <a16:creationId xmlns:a16="http://schemas.microsoft.com/office/drawing/2014/main" id="{D35573C9-BDC6-E498-350F-A1FCBF0AC5B7}"/>
               </a:ext>
             </a:extLst>
           </p:cNvPr>
@@ -2100,7 +2100,7 @@
           <p:cNvPr id="4" name="灯片编号占位符 3">
             <a:extLst>
               <a:ext uri="{FF2B5EF4-FFF2-40B4-BE49-F238E27FC236}">
-                <a16:creationId xmlns:a16="http://schemas.microsoft.com/office/drawing/2014/main" id="{DA3D3F49-DBE3-C135-4F26-AC4E677D3D31}"/>
+                <a16:creationId xmlns:a16="http://schemas.microsoft.com/office/drawing/2014/main" id="{05D2AF99-2DED-FEF7-DBFA-38E74CD57FBE}"/>
               </a:ext>
             </a:extLst>
           </p:cNvPr>
@@ -2116,7 +2116,7 @@
           <a:bodyPr/>
           <a:lstStyle/>
           <a:p>
-            <a:fld id="{6299836F-27E3-4B51-9D89-386D6DFE3198}" type="slidenum">
+            <a:fld id="{A00F3BC6-E9CB-47BC-AF89-DBB419AF763B}" type="slidenum">
               <a:rPr lang="zh-CN" altLang="en-US" smtClean="0"/>
               <a:t>‹#›</a:t>
             </a:fld>
@@ -2127,7 +2127,7 @@
     </p:spTree>
     <p:extLst>
       <p:ext uri="{BB962C8B-B14F-4D97-AF65-F5344CB8AC3E}">
-        <p14:creationId xmlns:p14="http://schemas.microsoft.com/office/powerpoint/2010/main" val="2567355531"/>
+        <p14:creationId xmlns:p14="http://schemas.microsoft.com/office/powerpoint/2010/main" val="1056020600"/>
       </p:ext>
     </p:extLst>
   </p:cSld>
@@ -2159,7 +2159,7 @@
           <p:cNvPr id="2" name="标题 1">
             <a:extLst>
               <a:ext uri="{FF2B5EF4-FFF2-40B4-BE49-F238E27FC236}">
-                <a16:creationId xmlns:a16="http://schemas.microsoft.com/office/drawing/2014/main" id="{D4115AD8-A5BF-A12A-4F88-66983C8309AA}"/>
+                <a16:creationId xmlns:a16="http://schemas.microsoft.com/office/drawing/2014/main" id="{E9FDE50A-9371-B0DD-FB49-319940F362A8}"/>
               </a:ext>
             </a:extLst>
           </p:cNvPr>
@@ -2196,7 +2196,7 @@
           <p:cNvPr id="3" name="内容占位符 2">
             <a:extLst>
               <a:ext uri="{FF2B5EF4-FFF2-40B4-BE49-F238E27FC236}">
-                <a16:creationId xmlns:a16="http://schemas.microsoft.com/office/drawing/2014/main" id="{0B5045BE-4E58-4602-B860-BA44BD668175}"/>
+                <a16:creationId xmlns:a16="http://schemas.microsoft.com/office/drawing/2014/main" id="{BBCE2013-BDA5-854C-2AA7-13605479583F}"/>
               </a:ext>
             </a:extLst>
           </p:cNvPr>
@@ -2286,7 +2286,7 @@
           <p:cNvPr id="4" name="文本占位符 3">
             <a:extLst>
               <a:ext uri="{FF2B5EF4-FFF2-40B4-BE49-F238E27FC236}">
-                <a16:creationId xmlns:a16="http://schemas.microsoft.com/office/drawing/2014/main" id="{57F1AD30-13F5-DB5E-B545-C4A94EAC3854}"/>
+                <a16:creationId xmlns:a16="http://schemas.microsoft.com/office/drawing/2014/main" id="{7EB1E628-5F76-9D0C-1690-EEB2B7DB8145}"/>
               </a:ext>
             </a:extLst>
           </p:cNvPr>
@@ -2357,7 +2357,7 @@
           <p:cNvPr id="5" name="日期占位符 4">
             <a:extLst>
               <a:ext uri="{FF2B5EF4-FFF2-40B4-BE49-F238E27FC236}">
-                <a16:creationId xmlns:a16="http://schemas.microsoft.com/office/drawing/2014/main" id="{919F8F81-2D3B-C8A7-637B-0B2C35927BC1}"/>
+                <a16:creationId xmlns:a16="http://schemas.microsoft.com/office/drawing/2014/main" id="{772A671E-E784-AE2A-8483-FE0050C46C98}"/>
               </a:ext>
             </a:extLst>
           </p:cNvPr>
@@ -2373,7 +2373,7 @@
           <a:bodyPr/>
           <a:lstStyle/>
           <a:p>
-            <a:fld id="{41F69F3D-24A5-45F3-878B-EF42DEB3C1AC}" type="datetimeFigureOut">
+            <a:fld id="{D65D549D-C786-4250-A11D-89346E0C9F2B}" type="datetimeFigureOut">
               <a:rPr lang="zh-CN" altLang="en-US" smtClean="0"/>
               <a:t>2024/3/10</a:t>
             </a:fld>
@@ -2386,7 +2386,7 @@
           <p:cNvPr id="6" name="页脚占位符 5">
             <a:extLst>
               <a:ext uri="{FF2B5EF4-FFF2-40B4-BE49-F238E27FC236}">
-                <a16:creationId xmlns:a16="http://schemas.microsoft.com/office/drawing/2014/main" id="{6FC8EEB3-AD62-8BBC-3CC0-72B29C9E9071}"/>
+                <a16:creationId xmlns:a16="http://schemas.microsoft.com/office/drawing/2014/main" id="{8AC227C4-4076-0D45-3AF6-930C10384864}"/>
               </a:ext>
             </a:extLst>
           </p:cNvPr>
@@ -2411,7 +2411,7 @@
           <p:cNvPr id="7" name="灯片编号占位符 6">
             <a:extLst>
               <a:ext uri="{FF2B5EF4-FFF2-40B4-BE49-F238E27FC236}">
-                <a16:creationId xmlns:a16="http://schemas.microsoft.com/office/drawing/2014/main" id="{28056526-19D1-A913-3031-454ACFA68BFE}"/>
+                <a16:creationId xmlns:a16="http://schemas.microsoft.com/office/drawing/2014/main" id="{56BCF66B-9396-0F42-620C-087DB8B69D8D}"/>
               </a:ext>
             </a:extLst>
           </p:cNvPr>
@@ -2427,7 +2427,7 @@
           <a:bodyPr/>
           <a:lstStyle/>
           <a:p>
-            <a:fld id="{6299836F-27E3-4B51-9D89-386D6DFE3198}" type="slidenum">
+            <a:fld id="{A00F3BC6-E9CB-47BC-AF89-DBB419AF763B}" type="slidenum">
               <a:rPr lang="zh-CN" altLang="en-US" smtClean="0"/>
               <a:t>‹#›</a:t>
             </a:fld>
@@ -2438,7 +2438,7 @@
     </p:spTree>
     <p:extLst>
       <p:ext uri="{BB962C8B-B14F-4D97-AF65-F5344CB8AC3E}">
-        <p14:creationId xmlns:p14="http://schemas.microsoft.com/office/powerpoint/2010/main" val="2030380729"/>
+        <p14:creationId xmlns:p14="http://schemas.microsoft.com/office/powerpoint/2010/main" val="3940412999"/>
       </p:ext>
     </p:extLst>
   </p:cSld>
@@ -2470,7 +2470,7 @@
           <p:cNvPr id="2" name="标题 1">
             <a:extLst>
               <a:ext uri="{FF2B5EF4-FFF2-40B4-BE49-F238E27FC236}">
-                <a16:creationId xmlns:a16="http://schemas.microsoft.com/office/drawing/2014/main" id="{72C51D8D-18AE-5175-8178-6DB1C079DB78}"/>
+                <a16:creationId xmlns:a16="http://schemas.microsoft.com/office/drawing/2014/main" id="{D7661F69-AF37-7905-7BD2-91DF6C2DEB45}"/>
               </a:ext>
             </a:extLst>
           </p:cNvPr>
@@ -2507,7 +2507,7 @@
           <p:cNvPr id="3" name="图片占位符 2">
             <a:extLst>
               <a:ext uri="{FF2B5EF4-FFF2-40B4-BE49-F238E27FC236}">
-                <a16:creationId xmlns:a16="http://schemas.microsoft.com/office/drawing/2014/main" id="{F11A06E3-4754-D66D-88F6-8409AAFBA9A7}"/>
+                <a16:creationId xmlns:a16="http://schemas.microsoft.com/office/drawing/2014/main" id="{136CF892-08F1-158B-C27B-FE95959FEFD0}"/>
               </a:ext>
             </a:extLst>
           </p:cNvPr>
@@ -2574,7 +2574,7 @@
           <p:cNvPr id="4" name="文本占位符 3">
             <a:extLst>
               <a:ext uri="{FF2B5EF4-FFF2-40B4-BE49-F238E27FC236}">
-                <a16:creationId xmlns:a16="http://schemas.microsoft.com/office/drawing/2014/main" id="{B1DFB401-E2C1-A348-8534-34278E36B448}"/>
+                <a16:creationId xmlns:a16="http://schemas.microsoft.com/office/drawing/2014/main" id="{DCAA9F3B-3D6C-132F-5CD3-3357B93680CC}"/>
               </a:ext>
             </a:extLst>
           </p:cNvPr>
@@ -2645,7 +2645,7 @@
           <p:cNvPr id="5" name="日期占位符 4">
             <a:extLst>
               <a:ext uri="{FF2B5EF4-FFF2-40B4-BE49-F238E27FC236}">
-                <a16:creationId xmlns:a16="http://schemas.microsoft.com/office/drawing/2014/main" id="{7EB241C4-8C94-DC08-49EC-07377EB90E71}"/>
+                <a16:creationId xmlns:a16="http://schemas.microsoft.com/office/drawing/2014/main" id="{D73AF02C-EC98-65F3-4380-C99F612561A4}"/>
               </a:ext>
             </a:extLst>
           </p:cNvPr>
@@ -2661,7 +2661,7 @@
           <a:bodyPr/>
           <a:lstStyle/>
           <a:p>
-            <a:fld id="{41F69F3D-24A5-45F3-878B-EF42DEB3C1AC}" type="datetimeFigureOut">
+            <a:fld id="{D65D549D-C786-4250-A11D-89346E0C9F2B}" type="datetimeFigureOut">
               <a:rPr lang="zh-CN" altLang="en-US" smtClean="0"/>
               <a:t>2024/3/10</a:t>
             </a:fld>
@@ -2674,7 +2674,7 @@
           <p:cNvPr id="6" name="页脚占位符 5">
             <a:extLst>
               <a:ext uri="{FF2B5EF4-FFF2-40B4-BE49-F238E27FC236}">
-                <a16:creationId xmlns:a16="http://schemas.microsoft.com/office/drawing/2014/main" id="{0A1BFDA9-4E9A-E4CC-2585-E76B51235782}"/>
+                <a16:creationId xmlns:a16="http://schemas.microsoft.com/office/drawing/2014/main" id="{F496305E-CBDB-594C-B2A8-57E33CBC09FD}"/>
               </a:ext>
             </a:extLst>
           </p:cNvPr>
@@ -2699,7 +2699,7 @@
           <p:cNvPr id="7" name="灯片编号占位符 6">
             <a:extLst>
               <a:ext uri="{FF2B5EF4-FFF2-40B4-BE49-F238E27FC236}">
-                <a16:creationId xmlns:a16="http://schemas.microsoft.com/office/drawing/2014/main" id="{5F740DAD-49E3-168D-629C-2CA9EEFE7BBE}"/>
+                <a16:creationId xmlns:a16="http://schemas.microsoft.com/office/drawing/2014/main" id="{D9E0C930-8070-0BBF-9220-BEC9CEAB4759}"/>
               </a:ext>
             </a:extLst>
           </p:cNvPr>
@@ -2715,7 +2715,7 @@
           <a:bodyPr/>
           <a:lstStyle/>
           <a:p>
-            <a:fld id="{6299836F-27E3-4B51-9D89-386D6DFE3198}" type="slidenum">
+            <a:fld id="{A00F3BC6-E9CB-47BC-AF89-DBB419AF763B}" type="slidenum">
               <a:rPr lang="zh-CN" altLang="en-US" smtClean="0"/>
               <a:t>‹#›</a:t>
             </a:fld>
@@ -2726,7 +2726,7 @@
     </p:spTree>
     <p:extLst>
       <p:ext uri="{BB962C8B-B14F-4D97-AF65-F5344CB8AC3E}">
-        <p14:creationId xmlns:p14="http://schemas.microsoft.com/office/powerpoint/2010/main" val="3194949054"/>
+        <p14:creationId xmlns:p14="http://schemas.microsoft.com/office/powerpoint/2010/main" val="4284711458"/>
       </p:ext>
     </p:extLst>
   </p:cSld>
@@ -2763,7 +2763,7 @@
           <p:cNvPr id="2" name="标题占位符 1">
             <a:extLst>
               <a:ext uri="{FF2B5EF4-FFF2-40B4-BE49-F238E27FC236}">
-                <a16:creationId xmlns:a16="http://schemas.microsoft.com/office/drawing/2014/main" id="{F3E25D19-A9D0-E0DB-3C86-45442426A909}"/>
+                <a16:creationId xmlns:a16="http://schemas.microsoft.com/office/drawing/2014/main" id="{1BEBBEF7-FBB2-9B09-E95F-F2C5F0225929}"/>
               </a:ext>
             </a:extLst>
           </p:cNvPr>
@@ -2801,7 +2801,7 @@
           <p:cNvPr id="3" name="文本占位符 2">
             <a:extLst>
               <a:ext uri="{FF2B5EF4-FFF2-40B4-BE49-F238E27FC236}">
-                <a16:creationId xmlns:a16="http://schemas.microsoft.com/office/drawing/2014/main" id="{43F2BADA-553F-998F-6BC5-32C390D6581C}"/>
+                <a16:creationId xmlns:a16="http://schemas.microsoft.com/office/drawing/2014/main" id="{D411D5DD-5FB7-C297-0E9C-FC850EADD102}"/>
               </a:ext>
             </a:extLst>
           </p:cNvPr>
@@ -2868,7 +2868,7 @@
           <p:cNvPr id="4" name="日期占位符 3">
             <a:extLst>
               <a:ext uri="{FF2B5EF4-FFF2-40B4-BE49-F238E27FC236}">
-                <a16:creationId xmlns:a16="http://schemas.microsoft.com/office/drawing/2014/main" id="{75E561AD-276B-30C4-25E6-AB971D6880FB}"/>
+                <a16:creationId xmlns:a16="http://schemas.microsoft.com/office/drawing/2014/main" id="{6F2F1260-D098-9582-5A1F-B989177B6A88}"/>
               </a:ext>
             </a:extLst>
           </p:cNvPr>
@@ -2902,7 +2902,7 @@
             </a:lvl1pPr>
           </a:lstStyle>
           <a:p>
-            <a:fld id="{41F69F3D-24A5-45F3-878B-EF42DEB3C1AC}" type="datetimeFigureOut">
+            <a:fld id="{D65D549D-C786-4250-A11D-89346E0C9F2B}" type="datetimeFigureOut">
               <a:rPr lang="zh-CN" altLang="en-US" smtClean="0"/>
               <a:t>2024/3/10</a:t>
             </a:fld>
@@ -2915,7 +2915,7 @@
           <p:cNvPr id="5" name="页脚占位符 4">
             <a:extLst>
               <a:ext uri="{FF2B5EF4-FFF2-40B4-BE49-F238E27FC236}">
-                <a16:creationId xmlns:a16="http://schemas.microsoft.com/office/drawing/2014/main" id="{9A37E7B0-F246-96B3-117D-10146690DFA0}"/>
+                <a16:creationId xmlns:a16="http://schemas.microsoft.com/office/drawing/2014/main" id="{EBDA8779-444F-0543-A5AF-B968E8D7ABCB}"/>
               </a:ext>
             </a:extLst>
           </p:cNvPr>
@@ -2958,7 +2958,7 @@
           <p:cNvPr id="6" name="灯片编号占位符 5">
             <a:extLst>
               <a:ext uri="{FF2B5EF4-FFF2-40B4-BE49-F238E27FC236}">
-                <a16:creationId xmlns:a16="http://schemas.microsoft.com/office/drawing/2014/main" id="{6EB16380-A6BE-490F-4D85-488FEC5D85C7}"/>
+                <a16:creationId xmlns:a16="http://schemas.microsoft.com/office/drawing/2014/main" id="{EA9D833E-5FBD-46C7-20DF-F3670614F247}"/>
               </a:ext>
             </a:extLst>
           </p:cNvPr>
@@ -2992,7 +2992,7 @@
             </a:lvl1pPr>
           </a:lstStyle>
           <a:p>
-            <a:fld id="{6299836F-27E3-4B51-9D89-386D6DFE3198}" type="slidenum">
+            <a:fld id="{A00F3BC6-E9CB-47BC-AF89-DBB419AF763B}" type="slidenum">
               <a:rPr lang="zh-CN" altLang="en-US" smtClean="0"/>
               <a:t>‹#›</a:t>
             </a:fld>
@@ -3003,7 +3003,7 @@
     </p:spTree>
     <p:extLst>
       <p:ext uri="{BB962C8B-B14F-4D97-AF65-F5344CB8AC3E}">
-        <p14:creationId xmlns:p14="http://schemas.microsoft.com/office/powerpoint/2010/main" val="260892422"/>
+        <p14:creationId xmlns:p14="http://schemas.microsoft.com/office/powerpoint/2010/main" val="1351857490"/>
       </p:ext>
     </p:extLst>
   </p:cSld>
